--- a/reparacion de compu/PASOS PARA BOOTEAR UNA USB.pptx
+++ b/reparacion de compu/PASOS PARA BOOTEAR UNA USB.pptx
@@ -6,13 +6,14 @@
   </p:sldMasterIdLst>
   <p:sldIdLst>
     <p:sldId id="256" r:id="rId2"/>
-    <p:sldId id="257" r:id="rId3"/>
-    <p:sldId id="258" r:id="rId4"/>
-    <p:sldId id="259" r:id="rId5"/>
-    <p:sldId id="260" r:id="rId6"/>
-    <p:sldId id="261" r:id="rId7"/>
-    <p:sldId id="262" r:id="rId8"/>
-    <p:sldId id="263" r:id="rId9"/>
+    <p:sldId id="264" r:id="rId3"/>
+    <p:sldId id="257" r:id="rId4"/>
+    <p:sldId id="258" r:id="rId5"/>
+    <p:sldId id="259" r:id="rId6"/>
+    <p:sldId id="260" r:id="rId7"/>
+    <p:sldId id="261" r:id="rId8"/>
+    <p:sldId id="262" r:id="rId9"/>
+    <p:sldId id="263" r:id="rId10"/>
   </p:sldIdLst>
   <p:sldSz cx="12192000" cy="6858000"/>
   <p:notesSz cx="6858000" cy="9144000"/>
@@ -305,7 +306,7 @@
           <a:p>
             <a:fld id="{D40811A8-1829-4FE2-A378-E0C0BD84CD29}" type="datetimeFigureOut">
               <a:rPr lang="es-EC" smtClean="0"/>
-              <a:t>3/6/2023</a:t>
+              <a:t>21/8/2023</a:t>
             </a:fld>
             <a:endParaRPr lang="es-EC"/>
           </a:p>
@@ -580,7 +581,7 @@
           <a:p>
             <a:fld id="{D40811A8-1829-4FE2-A378-E0C0BD84CD29}" type="datetimeFigureOut">
               <a:rPr lang="es-EC" smtClean="0"/>
-              <a:t>3/6/2023</a:t>
+              <a:t>21/8/2023</a:t>
             </a:fld>
             <a:endParaRPr lang="es-EC"/>
           </a:p>
@@ -774,7 +775,7 @@
           <a:p>
             <a:fld id="{D40811A8-1829-4FE2-A378-E0C0BD84CD29}" type="datetimeFigureOut">
               <a:rPr lang="es-EC" smtClean="0"/>
-              <a:t>3/6/2023</a:t>
+              <a:t>21/8/2023</a:t>
             </a:fld>
             <a:endParaRPr lang="es-EC"/>
           </a:p>
@@ -1047,7 +1048,7 @@
           <a:p>
             <a:fld id="{D40811A8-1829-4FE2-A378-E0C0BD84CD29}" type="datetimeFigureOut">
               <a:rPr lang="es-EC" smtClean="0"/>
-              <a:t>3/6/2023</a:t>
+              <a:t>21/8/2023</a:t>
             </a:fld>
             <a:endParaRPr lang="es-EC"/>
           </a:p>
@@ -1388,7 +1389,7 @@
           <a:p>
             <a:fld id="{D40811A8-1829-4FE2-A378-E0C0BD84CD29}" type="datetimeFigureOut">
               <a:rPr lang="es-EC" smtClean="0"/>
-              <a:t>3/6/2023</a:t>
+              <a:t>21/8/2023</a:t>
             </a:fld>
             <a:endParaRPr lang="es-EC"/>
           </a:p>
@@ -2011,7 +2012,7 @@
           <a:p>
             <a:fld id="{D40811A8-1829-4FE2-A378-E0C0BD84CD29}" type="datetimeFigureOut">
               <a:rPr lang="es-EC" smtClean="0"/>
-              <a:t>3/6/2023</a:t>
+              <a:t>21/8/2023</a:t>
             </a:fld>
             <a:endParaRPr lang="es-EC"/>
           </a:p>
@@ -2871,7 +2872,7 @@
           <a:p>
             <a:fld id="{D40811A8-1829-4FE2-A378-E0C0BD84CD29}" type="datetimeFigureOut">
               <a:rPr lang="es-EC" smtClean="0"/>
-              <a:t>3/6/2023</a:t>
+              <a:t>21/8/2023</a:t>
             </a:fld>
             <a:endParaRPr lang="es-EC"/>
           </a:p>
@@ -3041,7 +3042,7 @@
           <a:p>
             <a:fld id="{D40811A8-1829-4FE2-A378-E0C0BD84CD29}" type="datetimeFigureOut">
               <a:rPr lang="es-EC" smtClean="0"/>
-              <a:t>3/6/2023</a:t>
+              <a:t>21/8/2023</a:t>
             </a:fld>
             <a:endParaRPr lang="es-EC"/>
           </a:p>
@@ -3221,7 +3222,7 @@
           <a:p>
             <a:fld id="{D40811A8-1829-4FE2-A378-E0C0BD84CD29}" type="datetimeFigureOut">
               <a:rPr lang="es-EC" smtClean="0"/>
-              <a:t>3/6/2023</a:t>
+              <a:t>21/8/2023</a:t>
             </a:fld>
             <a:endParaRPr lang="es-EC"/>
           </a:p>
@@ -3391,7 +3392,7 @@
           <a:p>
             <a:fld id="{D40811A8-1829-4FE2-A378-E0C0BD84CD29}" type="datetimeFigureOut">
               <a:rPr lang="es-EC" smtClean="0"/>
-              <a:t>3/6/2023</a:t>
+              <a:t>21/8/2023</a:t>
             </a:fld>
             <a:endParaRPr lang="es-EC"/>
           </a:p>
@@ -3638,7 +3639,7 @@
           <a:p>
             <a:fld id="{D40811A8-1829-4FE2-A378-E0C0BD84CD29}" type="datetimeFigureOut">
               <a:rPr lang="es-EC" smtClean="0"/>
-              <a:t>3/6/2023</a:t>
+              <a:t>21/8/2023</a:t>
             </a:fld>
             <a:endParaRPr lang="es-EC"/>
           </a:p>
@@ -3930,7 +3931,7 @@
           <a:p>
             <a:fld id="{D40811A8-1829-4FE2-A378-E0C0BD84CD29}" type="datetimeFigureOut">
               <a:rPr lang="es-EC" smtClean="0"/>
-              <a:t>3/6/2023</a:t>
+              <a:t>21/8/2023</a:t>
             </a:fld>
             <a:endParaRPr lang="es-EC"/>
           </a:p>
@@ -4374,7 +4375,7 @@
           <a:p>
             <a:fld id="{D40811A8-1829-4FE2-A378-E0C0BD84CD29}" type="datetimeFigureOut">
               <a:rPr lang="es-EC" smtClean="0"/>
-              <a:t>3/6/2023</a:t>
+              <a:t>21/8/2023</a:t>
             </a:fld>
             <a:endParaRPr lang="es-EC"/>
           </a:p>
@@ -4492,7 +4493,7 @@
           <a:p>
             <a:fld id="{D40811A8-1829-4FE2-A378-E0C0BD84CD29}" type="datetimeFigureOut">
               <a:rPr lang="es-EC" smtClean="0"/>
-              <a:t>3/6/2023</a:t>
+              <a:t>21/8/2023</a:t>
             </a:fld>
             <a:endParaRPr lang="es-EC"/>
           </a:p>
@@ -4587,7 +4588,7 @@
           <a:p>
             <a:fld id="{D40811A8-1829-4FE2-A378-E0C0BD84CD29}" type="datetimeFigureOut">
               <a:rPr lang="es-EC" smtClean="0"/>
-              <a:t>3/6/2023</a:t>
+              <a:t>21/8/2023</a:t>
             </a:fld>
             <a:endParaRPr lang="es-EC"/>
           </a:p>
@@ -4866,7 +4867,7 @@
           <a:p>
             <a:fld id="{D40811A8-1829-4FE2-A378-E0C0BD84CD29}" type="datetimeFigureOut">
               <a:rPr lang="es-EC" smtClean="0"/>
-              <a:t>3/6/2023</a:t>
+              <a:t>21/8/2023</a:t>
             </a:fld>
             <a:endParaRPr lang="es-EC"/>
           </a:p>
@@ -5141,7 +5142,7 @@
           <a:p>
             <a:fld id="{D40811A8-1829-4FE2-A378-E0C0BD84CD29}" type="datetimeFigureOut">
               <a:rPr lang="es-EC" smtClean="0"/>
-              <a:t>3/6/2023</a:t>
+              <a:t>21/8/2023</a:t>
             </a:fld>
             <a:endParaRPr lang="es-EC"/>
           </a:p>
@@ -5570,7 +5571,7 @@
           <a:p>
             <a:fld id="{D40811A8-1829-4FE2-A378-E0C0BD84CD29}" type="datetimeFigureOut">
               <a:rPr lang="es-EC" smtClean="0"/>
-              <a:t>3/6/2023</a:t>
+              <a:t>21/8/2023</a:t>
             </a:fld>
             <a:endParaRPr lang="es-EC"/>
           </a:p>
@@ -6162,6 +6163,121 @@
           <p:cNvPr id="2" name="Título 1">
             <a:extLst>
               <a:ext uri="{FF2B5EF4-FFF2-40B4-BE49-F238E27FC236}">
+                <a16:creationId xmlns:a16="http://schemas.microsoft.com/office/drawing/2014/main" id="{AFAAA48E-A1FC-483C-B713-6B25518E2C00}"/>
+              </a:ext>
+            </a:extLst>
+          </p:cNvPr>
+          <p:cNvSpPr>
+            <a:spLocks noGrp="1"/>
+          </p:cNvSpPr>
+          <p:nvPr>
+            <p:ph type="title"/>
+          </p:nvPr>
+        </p:nvSpPr>
+        <p:spPr/>
+        <p:txBody>
+          <a:bodyPr/>
+          <a:lstStyle/>
+          <a:p>
+            <a:r>
+              <a:rPr lang="en-US" dirty="0"/>
+              <a:t>QUE ES UN ARCHIVO .ISO</a:t>
+            </a:r>
+            <a:endParaRPr lang="es-EC" dirty="0"/>
+          </a:p>
+        </p:txBody>
+      </p:sp>
+      <p:sp>
+        <p:nvSpPr>
+          <p:cNvPr id="3" name="Marcador de contenido 2">
+            <a:extLst>
+              <a:ext uri="{FF2B5EF4-FFF2-40B4-BE49-F238E27FC236}">
+                <a16:creationId xmlns:a16="http://schemas.microsoft.com/office/drawing/2014/main" id="{27AA4038-225E-4AD0-9D47-7D652F2D9B39}"/>
+              </a:ext>
+            </a:extLst>
+          </p:cNvPr>
+          <p:cNvSpPr>
+            <a:spLocks noGrp="1"/>
+          </p:cNvSpPr>
+          <p:nvPr>
+            <p:ph idx="1"/>
+          </p:nvPr>
+        </p:nvSpPr>
+        <p:spPr>
+          <a:xfrm>
+            <a:off x="1103312" y="2052918"/>
+            <a:ext cx="9404723" cy="4352364"/>
+          </a:xfrm>
+        </p:spPr>
+        <p:txBody>
+          <a:bodyPr/>
+          <a:lstStyle/>
+          <a:p>
+            <a:r>
+              <a:rPr lang="es-MX" b="0" i="0" dirty="0">
+                <a:effectLst/>
+              </a:rPr>
+              <a:t>Se trata de un formato bastante popular en Internet gracias a su facultad de hacer copias exactas del contenido de un CD, DVD o </a:t>
+            </a:r>
+            <a:r>
+              <a:rPr lang="es-MX" b="0" i="0" dirty="0" err="1">
+                <a:effectLst/>
+              </a:rPr>
+              <a:t>Bluray</a:t>
+            </a:r>
+            <a:r>
+              <a:rPr lang="es-MX" b="0" i="0" dirty="0">
+                <a:effectLst/>
+              </a:rPr>
+              <a:t>, y que suele utilizarse sobre todo para hacer copias de seguridad de unidades ópticas o difundir sistemas operativos</a:t>
+            </a:r>
+          </a:p>
+          <a:p>
+            <a:r>
+              <a:rPr lang="es-MX" b="0" i="0" dirty="0">
+                <a:effectLst/>
+              </a:rPr>
+              <a:t>Esta facultad de mantener el contenido tal cual está en el original hace que este formato sea muy útil para distribuir por internet archivos que necesiten evitar la pérdida de cualquier información o la modificación de su estructura original durante la transferencia.</a:t>
+            </a:r>
+            <a:endParaRPr lang="es-EC" dirty="0"/>
+          </a:p>
+        </p:txBody>
+      </p:sp>
+    </p:spTree>
+    <p:extLst>
+      <p:ext uri="{BB962C8B-B14F-4D97-AF65-F5344CB8AC3E}">
+        <p14:creationId xmlns:p14="http://schemas.microsoft.com/office/powerpoint/2010/main" val="2010345845"/>
+      </p:ext>
+    </p:extLst>
+  </p:cSld>
+  <p:clrMapOvr>
+    <a:masterClrMapping/>
+  </p:clrMapOvr>
+</p:sld>
+</file>
+
+<file path=ppt/slides/slide3.xml><?xml version="1.0" encoding="utf-8"?>
+<p:sld xmlns:a="http://schemas.openxmlformats.org/drawingml/2006/main" xmlns:r="http://schemas.openxmlformats.org/officeDocument/2006/relationships" xmlns:p="http://schemas.openxmlformats.org/presentationml/2006/main">
+  <p:cSld>
+    <p:spTree>
+      <p:nvGrpSpPr>
+        <p:cNvPr id="1" name=""/>
+        <p:cNvGrpSpPr/>
+        <p:nvPr/>
+      </p:nvGrpSpPr>
+      <p:grpSpPr>
+        <a:xfrm>
+          <a:off x="0" y="0"/>
+          <a:ext cx="0" cy="0"/>
+          <a:chOff x="0" y="0"/>
+          <a:chExt cx="0" cy="0"/>
+        </a:xfrm>
+      </p:grpSpPr>
+      <p:sp>
+        <p:nvSpPr>
+          <p:cNvPr id="2" name="Título 1">
+            <a:extLst>
+              <a:ext uri="{FF2B5EF4-FFF2-40B4-BE49-F238E27FC236}">
                 <a16:creationId xmlns:a16="http://schemas.microsoft.com/office/drawing/2014/main" id="{614673C7-C69A-4A42-B94B-495B6D52EAD1}"/>
               </a:ext>
             </a:extLst>
@@ -6341,7 +6457,7 @@
 </p:sld>
 </file>
 
-<file path=ppt/slides/slide3.xml><?xml version="1.0" encoding="utf-8"?>
+<file path=ppt/slides/slide4.xml><?xml version="1.0" encoding="utf-8"?>
 <p:sld xmlns:a="http://schemas.openxmlformats.org/drawingml/2006/main" xmlns:r="http://schemas.openxmlformats.org/officeDocument/2006/relationships" xmlns:p="http://schemas.openxmlformats.org/presentationml/2006/main">
   <p:cSld>
     <p:spTree>
@@ -6563,7 +6679,7 @@
 </p:sld>
 </file>
 
-<file path=ppt/slides/slide4.xml><?xml version="1.0" encoding="utf-8"?>
+<file path=ppt/slides/slide5.xml><?xml version="1.0" encoding="utf-8"?>
 <p:sld xmlns:a="http://schemas.openxmlformats.org/drawingml/2006/main" xmlns:r="http://schemas.openxmlformats.org/officeDocument/2006/relationships" xmlns:p="http://schemas.openxmlformats.org/presentationml/2006/main">
   <p:cSld>
     <p:spTree>
@@ -6706,7 +6822,7 @@
 </p:sld>
 </file>
 
-<file path=ppt/slides/slide5.xml><?xml version="1.0" encoding="utf-8"?>
+<file path=ppt/slides/slide6.xml><?xml version="1.0" encoding="utf-8"?>
 <p:sld xmlns:a="http://schemas.openxmlformats.org/drawingml/2006/main" xmlns:r="http://schemas.openxmlformats.org/officeDocument/2006/relationships" xmlns:p="http://schemas.openxmlformats.org/presentationml/2006/main">
   <p:cSld>
     <p:spTree>
@@ -6847,7 +6963,7 @@
 </p:sld>
 </file>
 
-<file path=ppt/slides/slide6.xml><?xml version="1.0" encoding="utf-8"?>
+<file path=ppt/slides/slide7.xml><?xml version="1.0" encoding="utf-8"?>
 <p:sld xmlns:a="http://schemas.openxmlformats.org/drawingml/2006/main" xmlns:r="http://schemas.openxmlformats.org/officeDocument/2006/relationships" xmlns:p="http://schemas.openxmlformats.org/presentationml/2006/main">
   <p:cSld>
     <p:spTree>
@@ -7022,7 +7138,7 @@
 </p:sld>
 </file>
 
-<file path=ppt/slides/slide7.xml><?xml version="1.0" encoding="utf-8"?>
+<file path=ppt/slides/slide8.xml><?xml version="1.0" encoding="utf-8"?>
 <p:sld xmlns:a="http://schemas.openxmlformats.org/drawingml/2006/main" xmlns:r="http://schemas.openxmlformats.org/officeDocument/2006/relationships" xmlns:p="http://schemas.openxmlformats.org/presentationml/2006/main">
   <p:cSld>
     <p:spTree>
@@ -7209,7 +7325,7 @@
 </p:sld>
 </file>
 
-<file path=ppt/slides/slide8.xml><?xml version="1.0" encoding="utf-8"?>
+<file path=ppt/slides/slide9.xml><?xml version="1.0" encoding="utf-8"?>
 <p:sld xmlns:a="http://schemas.openxmlformats.org/drawingml/2006/main" xmlns:r="http://schemas.openxmlformats.org/officeDocument/2006/relationships" xmlns:p="http://schemas.openxmlformats.org/presentationml/2006/main">
   <p:cSld>
     <p:spTree>

--- a/reparacion de compu/PASOS PARA BOOTEAR UNA USB.pptx
+++ b/reparacion de compu/PASOS PARA BOOTEAR UNA USB.pptx
@@ -306,7 +306,7 @@
           <a:p>
             <a:fld id="{D40811A8-1829-4FE2-A378-E0C0BD84CD29}" type="datetimeFigureOut">
               <a:rPr lang="es-EC" smtClean="0"/>
-              <a:t>21/8/2023</a:t>
+              <a:t>23/8/2023</a:t>
             </a:fld>
             <a:endParaRPr lang="es-EC"/>
           </a:p>
@@ -581,7 +581,7 @@
           <a:p>
             <a:fld id="{D40811A8-1829-4FE2-A378-E0C0BD84CD29}" type="datetimeFigureOut">
               <a:rPr lang="es-EC" smtClean="0"/>
-              <a:t>21/8/2023</a:t>
+              <a:t>23/8/2023</a:t>
             </a:fld>
             <a:endParaRPr lang="es-EC"/>
           </a:p>
@@ -775,7 +775,7 @@
           <a:p>
             <a:fld id="{D40811A8-1829-4FE2-A378-E0C0BD84CD29}" type="datetimeFigureOut">
               <a:rPr lang="es-EC" smtClean="0"/>
-              <a:t>21/8/2023</a:t>
+              <a:t>23/8/2023</a:t>
             </a:fld>
             <a:endParaRPr lang="es-EC"/>
           </a:p>
@@ -1048,7 +1048,7 @@
           <a:p>
             <a:fld id="{D40811A8-1829-4FE2-A378-E0C0BD84CD29}" type="datetimeFigureOut">
               <a:rPr lang="es-EC" smtClean="0"/>
-              <a:t>21/8/2023</a:t>
+              <a:t>23/8/2023</a:t>
             </a:fld>
             <a:endParaRPr lang="es-EC"/>
           </a:p>
@@ -1389,7 +1389,7 @@
           <a:p>
             <a:fld id="{D40811A8-1829-4FE2-A378-E0C0BD84CD29}" type="datetimeFigureOut">
               <a:rPr lang="es-EC" smtClean="0"/>
-              <a:t>21/8/2023</a:t>
+              <a:t>23/8/2023</a:t>
             </a:fld>
             <a:endParaRPr lang="es-EC"/>
           </a:p>
@@ -2012,7 +2012,7 @@
           <a:p>
             <a:fld id="{D40811A8-1829-4FE2-A378-E0C0BD84CD29}" type="datetimeFigureOut">
               <a:rPr lang="es-EC" smtClean="0"/>
-              <a:t>21/8/2023</a:t>
+              <a:t>23/8/2023</a:t>
             </a:fld>
             <a:endParaRPr lang="es-EC"/>
           </a:p>
@@ -2872,7 +2872,7 @@
           <a:p>
             <a:fld id="{D40811A8-1829-4FE2-A378-E0C0BD84CD29}" type="datetimeFigureOut">
               <a:rPr lang="es-EC" smtClean="0"/>
-              <a:t>21/8/2023</a:t>
+              <a:t>23/8/2023</a:t>
             </a:fld>
             <a:endParaRPr lang="es-EC"/>
           </a:p>
@@ -3042,7 +3042,7 @@
           <a:p>
             <a:fld id="{D40811A8-1829-4FE2-A378-E0C0BD84CD29}" type="datetimeFigureOut">
               <a:rPr lang="es-EC" smtClean="0"/>
-              <a:t>21/8/2023</a:t>
+              <a:t>23/8/2023</a:t>
             </a:fld>
             <a:endParaRPr lang="es-EC"/>
           </a:p>
@@ -3222,7 +3222,7 @@
           <a:p>
             <a:fld id="{D40811A8-1829-4FE2-A378-E0C0BD84CD29}" type="datetimeFigureOut">
               <a:rPr lang="es-EC" smtClean="0"/>
-              <a:t>21/8/2023</a:t>
+              <a:t>23/8/2023</a:t>
             </a:fld>
             <a:endParaRPr lang="es-EC"/>
           </a:p>
@@ -3392,7 +3392,7 @@
           <a:p>
             <a:fld id="{D40811A8-1829-4FE2-A378-E0C0BD84CD29}" type="datetimeFigureOut">
               <a:rPr lang="es-EC" smtClean="0"/>
-              <a:t>21/8/2023</a:t>
+              <a:t>23/8/2023</a:t>
             </a:fld>
             <a:endParaRPr lang="es-EC"/>
           </a:p>
@@ -3639,7 +3639,7 @@
           <a:p>
             <a:fld id="{D40811A8-1829-4FE2-A378-E0C0BD84CD29}" type="datetimeFigureOut">
               <a:rPr lang="es-EC" smtClean="0"/>
-              <a:t>21/8/2023</a:t>
+              <a:t>23/8/2023</a:t>
             </a:fld>
             <a:endParaRPr lang="es-EC"/>
           </a:p>
@@ -3931,7 +3931,7 @@
           <a:p>
             <a:fld id="{D40811A8-1829-4FE2-A378-E0C0BD84CD29}" type="datetimeFigureOut">
               <a:rPr lang="es-EC" smtClean="0"/>
-              <a:t>21/8/2023</a:t>
+              <a:t>23/8/2023</a:t>
             </a:fld>
             <a:endParaRPr lang="es-EC"/>
           </a:p>
@@ -4375,7 +4375,7 @@
           <a:p>
             <a:fld id="{D40811A8-1829-4FE2-A378-E0C0BD84CD29}" type="datetimeFigureOut">
               <a:rPr lang="es-EC" smtClean="0"/>
-              <a:t>21/8/2023</a:t>
+              <a:t>23/8/2023</a:t>
             </a:fld>
             <a:endParaRPr lang="es-EC"/>
           </a:p>
@@ -4493,7 +4493,7 @@
           <a:p>
             <a:fld id="{D40811A8-1829-4FE2-A378-E0C0BD84CD29}" type="datetimeFigureOut">
               <a:rPr lang="es-EC" smtClean="0"/>
-              <a:t>21/8/2023</a:t>
+              <a:t>23/8/2023</a:t>
             </a:fld>
             <a:endParaRPr lang="es-EC"/>
           </a:p>
@@ -4588,7 +4588,7 @@
           <a:p>
             <a:fld id="{D40811A8-1829-4FE2-A378-E0C0BD84CD29}" type="datetimeFigureOut">
               <a:rPr lang="es-EC" smtClean="0"/>
-              <a:t>21/8/2023</a:t>
+              <a:t>23/8/2023</a:t>
             </a:fld>
             <a:endParaRPr lang="es-EC"/>
           </a:p>
@@ -4867,7 +4867,7 @@
           <a:p>
             <a:fld id="{D40811A8-1829-4FE2-A378-E0C0BD84CD29}" type="datetimeFigureOut">
               <a:rPr lang="es-EC" smtClean="0"/>
-              <a:t>21/8/2023</a:t>
+              <a:t>23/8/2023</a:t>
             </a:fld>
             <a:endParaRPr lang="es-EC"/>
           </a:p>
@@ -5142,7 +5142,7 @@
           <a:p>
             <a:fld id="{D40811A8-1829-4FE2-A378-E0C0BD84CD29}" type="datetimeFigureOut">
               <a:rPr lang="es-EC" smtClean="0"/>
-              <a:t>21/8/2023</a:t>
+              <a:t>23/8/2023</a:t>
             </a:fld>
             <a:endParaRPr lang="es-EC"/>
           </a:p>
@@ -5571,7 +5571,7 @@
           <a:p>
             <a:fld id="{D40811A8-1829-4FE2-A378-E0C0BD84CD29}" type="datetimeFigureOut">
               <a:rPr lang="es-EC" smtClean="0"/>
-              <a:t>21/8/2023</a:t>
+              <a:t>23/8/2023</a:t>
             </a:fld>
             <a:endParaRPr lang="es-EC"/>
           </a:p>
